--- a/Powerpoint/CapeTown/Presentation1.pptx
+++ b/Powerpoint/CapeTown/Presentation1.pptx
@@ -5,12 +5,13 @@
     <p:sldMasterId id="2147483648" r:id="rId1"/>
   </p:sldMasterIdLst>
   <p:notesMasterIdLst>
-    <p:notesMasterId r:id="rId5"/>
+    <p:notesMasterId r:id="rId6"/>
   </p:notesMasterIdLst>
   <p:sldIdLst>
     <p:sldId id="256" r:id="rId2"/>
     <p:sldId id="257" r:id="rId3"/>
     <p:sldId id="258" r:id="rId4"/>
+    <p:sldId id="259" r:id="rId5"/>
   </p:sldIdLst>
   <p:sldSz cx="12192000" cy="6858000"/>
   <p:notesSz cx="9144000" cy="6858000"/>
@@ -308,7 +309,6 @@
               <a:rPr lang="en-US"/>
               <a:t>Fifth level</a:t>
             </a:r>
-            <a:endParaRPr lang="en-US"/>
           </a:p>
         </p:txBody>
       </p:sp>
@@ -706,7 +706,6 @@
               <a:rPr lang="en-US"/>
               <a:t>Click to edit Master title style</a:t>
             </a:r>
-            <a:endParaRPr lang="en-US"/>
           </a:p>
         </p:txBody>
       </p:sp>
@@ -2110,7 +2109,7 @@
           <a:lstStyle>
             <a:lvl1pPr marL="457200" indent="-457200">
               <a:buClr>
-                <a:srgbClr val="0066FF"/>
+                <a:srgbClr val="0070C0"/>
               </a:buClr>
               <a:buFont typeface="Wingdings" panose="05000000000000000000" pitchFamily="2" charset="2"/>
               <a:buChar char="q"/>
@@ -2121,9 +2120,7 @@
             </a:lvl1pPr>
             <a:lvl2pPr marL="800100" indent="-342900">
               <a:buClr>
-                <a:schemeClr val="bg2">
-                  <a:lumMod val="75000"/>
-                </a:schemeClr>
+                <a:srgbClr val="0070C0"/>
               </a:buClr>
               <a:buFont typeface="Wingdings" panose="05000000000000000000" pitchFamily="2" charset="2"/>
               <a:buChar char="§"/>
@@ -4447,7 +4444,6 @@
               <a:rPr lang="en-US"/>
               <a:t>Welcome</a:t>
             </a:r>
-            <a:endParaRPr lang="en-US"/>
           </a:p>
         </p:txBody>
       </p:sp>
@@ -4505,7 +4501,6 @@
               <a:rPr lang="en-US" sz="8000"/>
               <a:t>A convenient way</a:t>
             </a:r>
-            <a:endParaRPr lang="en-US" sz="8000"/>
           </a:p>
         </p:txBody>
       </p:sp>
@@ -4563,7 +4558,6 @@
               <a:rPr lang="en-US" sz="4400"/>
               <a:t>For both novice and experienced visitors</a:t>
             </a:r>
-            <a:endParaRPr lang="en-US" sz="4400"/>
           </a:p>
         </p:txBody>
       </p:sp>
@@ -4642,36 +4636,28 @@
           </a:bodyPr>
           <a:lstStyle/>
           <a:p>
-            <a:pPr marL="285750" indent="-285750">
-              <a:buFont typeface="Arial" panose="020B0604020202020204" pitchFamily="34" charset="0"/>
-              <a:buChar char="•"/>
+            <a:pPr marL="457200" indent="-457200">
+              <a:buClr>
+                <a:srgbClr val="0070C0"/>
+              </a:buClr>
+              <a:buFont typeface="Wingdings" panose="05000000000000000000" pitchFamily="2" charset="2"/>
+              <a:buChar char="q"/>
             </a:pPr>
             <a:r>
               <a:rPr lang="en-US" sz="2800">
                 <a:latin typeface="Segoe UI" panose="020B0502040204020203" pitchFamily="34" charset="0"/>
                 <a:cs typeface="Segoe UI" panose="020B0502040204020203" pitchFamily="34" charset="0"/>
               </a:rPr>
-              <a:t>Gain </a:t>
-            </a:r>
-            <a:r>
-              <a:rPr lang="en-US" sz="2800">
-                <a:latin typeface="Segoe UI" panose="020B0502040204020203" pitchFamily="34" charset="0"/>
-                <a:cs typeface="Segoe UI" panose="020B0502040204020203" pitchFamily="34" charset="0"/>
-              </a:rPr>
-              <a:t>access to all Cape Town has </a:t>
-            </a:r>
-            <a:r>
-              <a:rPr lang="en-US" sz="2800">
-                <a:latin typeface="Segoe UI" panose="020B0502040204020203" pitchFamily="34" charset="0"/>
-                <a:cs typeface="Segoe UI" panose="020B0502040204020203" pitchFamily="34" charset="0"/>
-              </a:rPr>
-              <a:t>to offer</a:t>
-            </a:r>
-          </a:p>
-          <a:p>
-            <a:pPr marL="285750" indent="-285750">
-              <a:buFont typeface="Arial" panose="020B0604020202020204" pitchFamily="34" charset="0"/>
-              <a:buChar char="•"/>
+              <a:t>Gain access to all Cape Town has to offer</a:t>
+            </a:r>
+          </a:p>
+          <a:p>
+            <a:pPr marL="457200" indent="-457200">
+              <a:buClr>
+                <a:srgbClr val="0070C0"/>
+              </a:buClr>
+              <a:buFont typeface="Wingdings" panose="05000000000000000000" pitchFamily="2" charset="2"/>
+              <a:buChar char="q"/>
             </a:pPr>
             <a:endParaRPr lang="en-US" sz="2800">
               <a:latin typeface="Segoe UI" panose="020B0502040204020203" pitchFamily="34" charset="0"/>
@@ -4679,23 +4665,19 @@
             </a:endParaRPr>
           </a:p>
           <a:p>
-            <a:pPr marL="285750" indent="-285750" algn="just">
-              <a:buFont typeface="Arial" panose="020B0604020202020204" pitchFamily="34" charset="0"/>
-              <a:buChar char="•"/>
+            <a:pPr marL="457200" indent="-457200" algn="just">
+              <a:buClr>
+                <a:srgbClr val="0070C0"/>
+              </a:buClr>
+              <a:buFont typeface="Wingdings" panose="05000000000000000000" pitchFamily="2" charset="2"/>
+              <a:buChar char="q"/>
             </a:pPr>
             <a:r>
               <a:rPr lang="en-US" sz="2800">
                 <a:latin typeface="Segoe UI" panose="020B0502040204020203" pitchFamily="34" charset="0"/>
                 <a:cs typeface="Segoe UI" panose="020B0502040204020203" pitchFamily="34" charset="0"/>
               </a:rPr>
-              <a:t>No </a:t>
-            </a:r>
-            <a:r>
-              <a:rPr lang="en-US" sz="2800">
-                <a:latin typeface="Segoe UI" panose="020B0502040204020203" pitchFamily="34" charset="0"/>
-                <a:cs typeface="Segoe UI" panose="020B0502040204020203" pitchFamily="34" charset="0"/>
-              </a:rPr>
-              <a:t>need to spend hours researching attractions or planning your trip</a:t>
+              <a:t>No need to spend hours researching attractions or planning your trip</a:t>
             </a:r>
           </a:p>
         </p:txBody>
@@ -4704,6 +4686,183 @@
     <p:extLst>
       <p:ext uri="{BB962C8B-B14F-4D97-AF65-F5344CB8AC3E}">
         <p14:creationId xmlns:p14="http://schemas.microsoft.com/office/powerpoint/2010/main" val="3455322531"/>
+      </p:ext>
+    </p:extLst>
+  </p:cSld>
+  <p:clrMapOvr>
+    <a:masterClrMapping/>
+  </p:clrMapOvr>
+</p:sld>
+</file>
+
+<file path=ppt/slides/slide4.xml><?xml version="1.0" encoding="utf-8"?>
+<p:sld xmlns:a="http://schemas.openxmlformats.org/drawingml/2006/main" xmlns:r="http://schemas.openxmlformats.org/officeDocument/2006/relationships" xmlns:p="http://schemas.openxmlformats.org/presentationml/2006/main">
+  <p:cSld>
+    <p:spTree>
+      <p:nvGrpSpPr>
+        <p:cNvPr id="1" name=""/>
+        <p:cNvGrpSpPr/>
+        <p:nvPr/>
+      </p:nvGrpSpPr>
+      <p:grpSpPr>
+        <a:xfrm>
+          <a:off x="0" y="0"/>
+          <a:ext cx="0" cy="0"/>
+          <a:chOff x="0" y="0"/>
+          <a:chExt cx="0" cy="0"/>
+        </a:xfrm>
+      </p:grpSpPr>
+      <p:sp>
+        <p:nvSpPr>
+          <p:cNvPr id="2" name="Title 1"/>
+          <p:cNvSpPr>
+            <a:spLocks noGrp="1"/>
+          </p:cNvSpPr>
+          <p:nvPr>
+            <p:ph type="title"/>
+          </p:nvPr>
+        </p:nvSpPr>
+        <p:spPr/>
+        <p:txBody>
+          <a:bodyPr/>
+          <a:lstStyle/>
+          <a:p>
+            <a:r>
+              <a:rPr lang="en-US"/>
+              <a:t>Why Cape Town Pass?</a:t>
+            </a:r>
+            <a:endParaRPr lang="en-US"/>
+          </a:p>
+        </p:txBody>
+      </p:sp>
+      <p:sp>
+        <p:nvSpPr>
+          <p:cNvPr id="3" name="Content Placeholder 2"/>
+          <p:cNvSpPr>
+            <a:spLocks noGrp="1"/>
+          </p:cNvSpPr>
+          <p:nvPr>
+            <p:ph idx="1"/>
+          </p:nvPr>
+        </p:nvSpPr>
+        <p:spPr/>
+        <p:txBody>
+          <a:bodyPr/>
+          <a:lstStyle/>
+          <a:p>
+            <a:r>
+              <a:rPr lang="en-US" b="1">
+                <a:solidFill>
+                  <a:srgbClr val="0070C0"/>
+                </a:solidFill>
+              </a:rPr>
+              <a:t>All access</a:t>
+            </a:r>
+            <a:endParaRPr lang="en-US"/>
+          </a:p>
+          <a:p>
+            <a:pPr lvl="1"/>
+            <a:r>
+              <a:rPr lang="en-US"/>
+              <a:t>Entry </a:t>
+            </a:r>
+            <a:r>
+              <a:rPr lang="en-US"/>
+              <a:t>to all of our attractions is included in your pass</a:t>
+            </a:r>
+            <a:endParaRPr lang="en-US"/>
+          </a:p>
+          <a:p>
+            <a:r>
+              <a:rPr lang="en-US" b="1">
+                <a:solidFill>
+                  <a:srgbClr val="0070C0"/>
+                </a:solidFill>
+              </a:rPr>
+              <a:t>Great savings</a:t>
+            </a:r>
+          </a:p>
+          <a:p>
+            <a:pPr lvl="1"/>
+            <a:r>
+              <a:rPr lang="en-US"/>
+              <a:t>Save </a:t>
+            </a:r>
+            <a:r>
+              <a:rPr lang="en-US"/>
+              <a:t>hugely on </a:t>
+            </a:r>
+            <a:r>
+              <a:rPr lang="en-US"/>
+              <a:t>attractions </a:t>
+            </a:r>
+          </a:p>
+          <a:p>
+            <a:pPr lvl="1"/>
+            <a:r>
+              <a:rPr lang="en-US"/>
+              <a:t>G</a:t>
+            </a:r>
+            <a:r>
+              <a:rPr lang="en-US"/>
+              <a:t>et </a:t>
+            </a:r>
+            <a:r>
+              <a:rPr lang="en-US"/>
+              <a:t>great discounts at the </a:t>
+            </a:r>
+            <a:r>
+              <a:rPr lang="en-US"/>
+              <a:t>best Restaurants</a:t>
+            </a:r>
+          </a:p>
+          <a:p>
+            <a:r>
+              <a:rPr lang="en-US" b="1">
+                <a:solidFill>
+                  <a:srgbClr val="0070C0"/>
+                </a:solidFill>
+              </a:rPr>
+              <a:t>Priority pass</a:t>
+            </a:r>
+          </a:p>
+          <a:p>
+            <a:pPr lvl="1"/>
+            <a:r>
+              <a:rPr lang="en-US"/>
+              <a:t>Enjoy priority access at the most popular attractions</a:t>
+            </a:r>
+          </a:p>
+        </p:txBody>
+      </p:sp>
+      <p:sp>
+        <p:nvSpPr>
+          <p:cNvPr id="4" name="Slide Number Placeholder 3"/>
+          <p:cNvSpPr>
+            <a:spLocks noGrp="1"/>
+          </p:cNvSpPr>
+          <p:nvPr>
+            <p:ph type="sldNum" sz="quarter" idx="12"/>
+          </p:nvPr>
+        </p:nvSpPr>
+        <p:spPr/>
+        <p:txBody>
+          <a:bodyPr/>
+          <a:lstStyle/>
+          <a:p>
+            <a:fld id="{FC66D6CE-B56B-447A-A58B-E2D6508578E9}" type="slidenum">
+              <a:rPr lang="en-US" smtClean="0"/>
+              <a:pPr/>
+              <a:t>4</a:t>
+            </a:fld>
+            <a:endParaRPr lang="en-US"/>
+          </a:p>
+        </p:txBody>
+      </p:sp>
+    </p:spTree>
+    <p:extLst>
+      <p:ext uri="{BB962C8B-B14F-4D97-AF65-F5344CB8AC3E}">
+        <p14:creationId xmlns:p14="http://schemas.microsoft.com/office/powerpoint/2010/main" val="1941273508"/>
       </p:ext>
     </p:extLst>
   </p:cSld>

--- a/Powerpoint/CapeTown/Presentation1.pptx
+++ b/Powerpoint/CapeTown/Presentation1.pptx
@@ -214,7 +214,7 @@
           <a:p>
             <a:fld id="{5DFDD9F3-58E9-485D-917F-43D69B432460}" type="datetimeFigureOut">
               <a:rPr lang="en-US" smtClean="0"/>
-              <a:t>14/6/2016</a:t>
+              <a:t>15/6/2016</a:t>
             </a:fld>
             <a:endParaRPr lang="en-US"/>
           </a:p>
@@ -757,871 +757,6 @@
 </p:sldLayout>
 </file>
 
-<file path=ppt/slideLayouts/slideLayout10.xml><?xml version="1.0" encoding="utf-8"?>
-<p:sldLayout xmlns:a="http://schemas.openxmlformats.org/drawingml/2006/main" xmlns:r="http://schemas.openxmlformats.org/officeDocument/2006/relationships" xmlns:p="http://schemas.openxmlformats.org/presentationml/2006/main" preserve="1">
-  <p:cSld name="Section Header">
-    <p:spTree>
-      <p:nvGrpSpPr>
-        <p:cNvPr id="1" name=""/>
-        <p:cNvGrpSpPr/>
-        <p:nvPr/>
-      </p:nvGrpSpPr>
-      <p:grpSpPr>
-        <a:xfrm>
-          <a:off x="0" y="0"/>
-          <a:ext cx="0" cy="0"/>
-          <a:chOff x="0" y="0"/>
-          <a:chExt cx="0" cy="0"/>
-        </a:xfrm>
-      </p:grpSpPr>
-      <p:pic>
-        <p:nvPicPr>
-          <p:cNvPr id="7" name="Picture 6"/>
-          <p:cNvPicPr>
-            <a:picLocks noChangeAspect="1"/>
-          </p:cNvPicPr>
-          <p:nvPr/>
-        </p:nvPicPr>
-        <p:blipFill>
-          <a:blip r:embed="rId2">
-            <a:extLst>
-              <a:ext uri="{28A0092B-C50C-407E-A947-70E740481C1C}">
-                <a14:useLocalDpi xmlns:a14="http://schemas.microsoft.com/office/drawing/2010/main" val="0"/>
-              </a:ext>
-            </a:extLst>
-          </a:blip>
-          <a:stretch>
-            <a:fillRect/>
-          </a:stretch>
-        </p:blipFill>
-        <p:spPr>
-          <a:xfrm>
-            <a:off x="0" y="3530600"/>
-            <a:ext cx="12192000" cy="3327400"/>
-          </a:xfrm>
-          <a:prstGeom prst="rect">
-            <a:avLst/>
-          </a:prstGeom>
-        </p:spPr>
-      </p:pic>
-      <p:sp>
-        <p:nvSpPr>
-          <p:cNvPr id="8" name="Title 7"/>
-          <p:cNvSpPr>
-            <a:spLocks noGrp="1"/>
-          </p:cNvSpPr>
-          <p:nvPr>
-            <p:ph type="title"/>
-          </p:nvPr>
-        </p:nvSpPr>
-        <p:spPr>
-          <a:xfrm>
-            <a:off x="778933" y="2522538"/>
-            <a:ext cx="10972800" cy="1143000"/>
-          </a:xfrm>
-        </p:spPr>
-        <p:txBody>
-          <a:bodyPr/>
-          <a:lstStyle/>
-          <a:p>
-            <a:r>
-              <a:rPr lang="en-US"/>
-              <a:t>Click to edit Master title style</a:t>
-            </a:r>
-          </a:p>
-        </p:txBody>
-      </p:sp>
-      <p:sp>
-        <p:nvSpPr>
-          <p:cNvPr id="4" name="Moon 3"/>
-          <p:cNvSpPr/>
-          <p:nvPr/>
-        </p:nvSpPr>
-        <p:spPr>
-          <a:xfrm rot="17945249">
-            <a:off x="1891587" y="-297955"/>
-            <a:ext cx="2251314" cy="14635285"/>
-          </a:xfrm>
-          <a:prstGeom prst="moon">
-            <a:avLst/>
-          </a:prstGeom>
-          <a:solidFill>
-            <a:schemeClr val="bg1">
-              <a:alpha val="16000"/>
-            </a:schemeClr>
-          </a:solidFill>
-          <a:ln>
-            <a:noFill/>
-          </a:ln>
-        </p:spPr>
-        <p:style>
-          <a:lnRef idx="2">
-            <a:schemeClr val="accent1">
-              <a:shade val="50000"/>
-            </a:schemeClr>
-          </a:lnRef>
-          <a:fillRef idx="1">
-            <a:schemeClr val="accent1"/>
-          </a:fillRef>
-          <a:effectRef idx="0">
-            <a:schemeClr val="accent1"/>
-          </a:effectRef>
-          <a:fontRef idx="minor">
-            <a:schemeClr val="lt1"/>
-          </a:fontRef>
-        </p:style>
-        <p:txBody>
-          <a:bodyPr rtlCol="0" anchor="ctr"/>
-          <a:lstStyle/>
-          <a:p>
-            <a:pPr algn="ctr"/>
-            <a:endParaRPr lang="en-US" sz="1800"/>
-          </a:p>
-        </p:txBody>
-      </p:sp>
-    </p:spTree>
-    <p:extLst>
-      <p:ext uri="{BB962C8B-B14F-4D97-AF65-F5344CB8AC3E}">
-        <p14:creationId xmlns:p14="http://schemas.microsoft.com/office/powerpoint/2010/main" val="4267432469"/>
-      </p:ext>
-    </p:extLst>
-  </p:cSld>
-  <p:clrMapOvr>
-    <a:masterClrMapping/>
-  </p:clrMapOvr>
-</p:sldLayout>
-</file>
-
-<file path=ppt/slideLayouts/slideLayout11.xml><?xml version="1.0" encoding="utf-8"?>
-<p:sldLayout xmlns:a="http://schemas.openxmlformats.org/drawingml/2006/main" xmlns:r="http://schemas.openxmlformats.org/officeDocument/2006/relationships" xmlns:p="http://schemas.openxmlformats.org/presentationml/2006/main" preserve="1">
-  <p:cSld name="1_Section Header">
-    <p:spTree>
-      <p:nvGrpSpPr>
-        <p:cNvPr id="1" name=""/>
-        <p:cNvGrpSpPr/>
-        <p:nvPr/>
-      </p:nvGrpSpPr>
-      <p:grpSpPr>
-        <a:xfrm>
-          <a:off x="0" y="0"/>
-          <a:ext cx="0" cy="0"/>
-          <a:chOff x="0" y="0"/>
-          <a:chExt cx="0" cy="0"/>
-        </a:xfrm>
-      </p:grpSpPr>
-      <p:pic>
-        <p:nvPicPr>
-          <p:cNvPr id="7" name="Picture 6"/>
-          <p:cNvPicPr>
-            <a:picLocks noChangeAspect="1"/>
-          </p:cNvPicPr>
-          <p:nvPr/>
-        </p:nvPicPr>
-        <p:blipFill>
-          <a:blip r:embed="rId2">
-            <a:extLst>
-              <a:ext uri="{28A0092B-C50C-407E-A947-70E740481C1C}">
-                <a14:useLocalDpi xmlns:a14="http://schemas.microsoft.com/office/drawing/2010/main" val="0"/>
-              </a:ext>
-            </a:extLst>
-          </a:blip>
-          <a:stretch>
-            <a:fillRect/>
-          </a:stretch>
-        </p:blipFill>
-        <p:spPr>
-          <a:xfrm>
-            <a:off x="0" y="0"/>
-            <a:ext cx="12192000" cy="3327400"/>
-          </a:xfrm>
-          <a:prstGeom prst="rect">
-            <a:avLst/>
-          </a:prstGeom>
-        </p:spPr>
-      </p:pic>
-      <p:sp>
-        <p:nvSpPr>
-          <p:cNvPr id="8" name="Title 7"/>
-          <p:cNvSpPr>
-            <a:spLocks noGrp="1"/>
-          </p:cNvSpPr>
-          <p:nvPr>
-            <p:ph type="title"/>
-          </p:nvPr>
-        </p:nvSpPr>
-        <p:spPr>
-          <a:xfrm>
-            <a:off x="609600" y="3239728"/>
-            <a:ext cx="10972800" cy="1143000"/>
-          </a:xfrm>
-        </p:spPr>
-        <p:txBody>
-          <a:bodyPr>
-            <a:noAutofit/>
-          </a:bodyPr>
-          <a:lstStyle>
-            <a:lvl1pPr>
-              <a:defRPr sz="6000">
-                <a:solidFill>
-                  <a:srgbClr val="0070C0"/>
-                </a:solidFill>
-              </a:defRPr>
-            </a:lvl1pPr>
-          </a:lstStyle>
-          <a:p>
-            <a:r>
-              <a:rPr lang="en-US"/>
-              <a:t>Click to edit Master title style</a:t>
-            </a:r>
-          </a:p>
-        </p:txBody>
-      </p:sp>
-      <p:sp>
-        <p:nvSpPr>
-          <p:cNvPr id="4" name="Moon 3"/>
-          <p:cNvSpPr/>
-          <p:nvPr/>
-        </p:nvSpPr>
-        <p:spPr>
-          <a:xfrm rot="17945249">
-            <a:off x="3941971" y="-2259741"/>
-            <a:ext cx="2251314" cy="14635285"/>
-          </a:xfrm>
-          <a:prstGeom prst="moon">
-            <a:avLst/>
-          </a:prstGeom>
-          <a:solidFill>
-            <a:schemeClr val="bg1">
-              <a:alpha val="16000"/>
-            </a:schemeClr>
-          </a:solidFill>
-          <a:ln>
-            <a:noFill/>
-          </a:ln>
-        </p:spPr>
-        <p:style>
-          <a:lnRef idx="2">
-            <a:schemeClr val="accent1">
-              <a:shade val="50000"/>
-            </a:schemeClr>
-          </a:lnRef>
-          <a:fillRef idx="1">
-            <a:schemeClr val="accent1"/>
-          </a:fillRef>
-          <a:effectRef idx="0">
-            <a:schemeClr val="accent1"/>
-          </a:effectRef>
-          <a:fontRef idx="minor">
-            <a:schemeClr val="lt1"/>
-          </a:fontRef>
-        </p:style>
-        <p:txBody>
-          <a:bodyPr rtlCol="0" anchor="ctr"/>
-          <a:lstStyle/>
-          <a:p>
-            <a:pPr algn="ctr"/>
-            <a:endParaRPr lang="en-US" sz="1800"/>
-          </a:p>
-        </p:txBody>
-      </p:sp>
-      <p:sp>
-        <p:nvSpPr>
-          <p:cNvPr id="2" name="Oval 1"/>
-          <p:cNvSpPr/>
-          <p:nvPr/>
-        </p:nvSpPr>
-        <p:spPr>
-          <a:xfrm>
-            <a:off x="5232400" y="4733541"/>
-            <a:ext cx="1727200" cy="1286933"/>
-          </a:xfrm>
-          <a:prstGeom prst="ellipse">
-            <a:avLst/>
-          </a:prstGeom>
-          <a:noFill/>
-          <a:ln w="225425">
-            <a:solidFill>
-              <a:srgbClr val="0070C0"/>
-            </a:solidFill>
-          </a:ln>
-        </p:spPr>
-        <p:style>
-          <a:lnRef idx="2">
-            <a:schemeClr val="accent1">
-              <a:shade val="50000"/>
-            </a:schemeClr>
-          </a:lnRef>
-          <a:fillRef idx="1">
-            <a:schemeClr val="accent1"/>
-          </a:fillRef>
-          <a:effectRef idx="0">
-            <a:schemeClr val="accent1"/>
-          </a:effectRef>
-          <a:fontRef idx="minor">
-            <a:schemeClr val="lt1"/>
-          </a:fontRef>
-        </p:style>
-        <p:txBody>
-          <a:bodyPr rtlCol="0" anchor="ctr"/>
-          <a:lstStyle/>
-          <a:p>
-            <a:pPr algn="ctr"/>
-            <a:endParaRPr lang="en-US" sz="1800"/>
-          </a:p>
-        </p:txBody>
-      </p:sp>
-    </p:spTree>
-    <p:extLst>
-      <p:ext uri="{BB962C8B-B14F-4D97-AF65-F5344CB8AC3E}">
-        <p14:creationId xmlns:p14="http://schemas.microsoft.com/office/powerpoint/2010/main" val="2765622216"/>
-      </p:ext>
-    </p:extLst>
-  </p:cSld>
-  <p:clrMapOvr>
-    <a:masterClrMapping/>
-  </p:clrMapOvr>
-</p:sldLayout>
-</file>
-
-<file path=ppt/slideLayouts/slideLayout12.xml><?xml version="1.0" encoding="utf-8"?>
-<p:sldLayout xmlns:a="http://schemas.openxmlformats.org/drawingml/2006/main" xmlns:r="http://schemas.openxmlformats.org/officeDocument/2006/relationships" xmlns:p="http://schemas.openxmlformats.org/presentationml/2006/main" preserve="1">
-  <p:cSld name="3_Section Header">
-    <p:spTree>
-      <p:nvGrpSpPr>
-        <p:cNvPr id="1" name=""/>
-        <p:cNvGrpSpPr/>
-        <p:nvPr/>
-      </p:nvGrpSpPr>
-      <p:grpSpPr>
-        <a:xfrm>
-          <a:off x="0" y="0"/>
-          <a:ext cx="0" cy="0"/>
-          <a:chOff x="0" y="0"/>
-          <a:chExt cx="0" cy="0"/>
-        </a:xfrm>
-      </p:grpSpPr>
-      <p:pic>
-        <p:nvPicPr>
-          <p:cNvPr id="7" name="Picture 6"/>
-          <p:cNvPicPr>
-            <a:picLocks noChangeAspect="1"/>
-          </p:cNvPicPr>
-          <p:nvPr/>
-        </p:nvPicPr>
-        <p:blipFill>
-          <a:blip r:embed="rId2">
-            <a:extLst>
-              <a:ext uri="{28A0092B-C50C-407E-A947-70E740481C1C}">
-                <a14:useLocalDpi xmlns:a14="http://schemas.microsoft.com/office/drawing/2010/main" val="0"/>
-              </a:ext>
-            </a:extLst>
-          </a:blip>
-          <a:stretch>
-            <a:fillRect/>
-          </a:stretch>
-        </p:blipFill>
-        <p:spPr>
-          <a:xfrm>
-            <a:off x="0" y="0"/>
-            <a:ext cx="12192000" cy="6858000"/>
-          </a:xfrm>
-          <a:prstGeom prst="rect">
-            <a:avLst/>
-          </a:prstGeom>
-        </p:spPr>
-      </p:pic>
-      <p:sp>
-        <p:nvSpPr>
-          <p:cNvPr id="8" name="Title 7"/>
-          <p:cNvSpPr>
-            <a:spLocks noGrp="1"/>
-          </p:cNvSpPr>
-          <p:nvPr>
-            <p:ph type="title"/>
-          </p:nvPr>
-        </p:nvSpPr>
-        <p:spPr>
-          <a:xfrm>
-            <a:off x="5070764" y="4200699"/>
-            <a:ext cx="6276109" cy="876993"/>
-          </a:xfrm>
-        </p:spPr>
-        <p:txBody>
-          <a:bodyPr/>
-          <a:lstStyle>
-            <a:lvl1pPr>
-              <a:defRPr>
-                <a:solidFill>
-                  <a:schemeClr val="bg1"/>
-                </a:solidFill>
-              </a:defRPr>
-            </a:lvl1pPr>
-          </a:lstStyle>
-          <a:p>
-            <a:r>
-              <a:rPr lang="en-US"/>
-              <a:t>Click to edit Master title style</a:t>
-            </a:r>
-          </a:p>
-        </p:txBody>
-      </p:sp>
-      <p:sp>
-        <p:nvSpPr>
-          <p:cNvPr id="4" name="Moon 3"/>
-          <p:cNvSpPr/>
-          <p:nvPr/>
-        </p:nvSpPr>
-        <p:spPr>
-          <a:xfrm rot="17945249">
-            <a:off x="1891587" y="-297955"/>
-            <a:ext cx="2251314" cy="14635285"/>
-          </a:xfrm>
-          <a:prstGeom prst="moon">
-            <a:avLst/>
-          </a:prstGeom>
-          <a:solidFill>
-            <a:schemeClr val="bg1">
-              <a:alpha val="16000"/>
-            </a:schemeClr>
-          </a:solidFill>
-          <a:ln>
-            <a:noFill/>
-          </a:ln>
-        </p:spPr>
-        <p:style>
-          <a:lnRef idx="2">
-            <a:schemeClr val="accent1">
-              <a:shade val="50000"/>
-            </a:schemeClr>
-          </a:lnRef>
-          <a:fillRef idx="1">
-            <a:schemeClr val="accent1"/>
-          </a:fillRef>
-          <a:effectRef idx="0">
-            <a:schemeClr val="accent1"/>
-          </a:effectRef>
-          <a:fontRef idx="minor">
-            <a:schemeClr val="lt1"/>
-          </a:fontRef>
-        </p:style>
-        <p:txBody>
-          <a:bodyPr rtlCol="0" anchor="ctr"/>
-          <a:lstStyle/>
-          <a:p>
-            <a:pPr algn="ctr"/>
-            <a:endParaRPr lang="en-US" sz="1800"/>
-          </a:p>
-        </p:txBody>
-      </p:sp>
-      <p:cxnSp>
-        <p:nvCxnSpPr>
-          <p:cNvPr id="5" name="Straight Connector 4"/>
-          <p:cNvCxnSpPr/>
-          <p:nvPr/>
-        </p:nvCxnSpPr>
-        <p:spPr>
-          <a:xfrm>
-            <a:off x="5070765" y="5077692"/>
-            <a:ext cx="6341335" cy="1"/>
-          </a:xfrm>
-          <a:prstGeom prst="line">
-            <a:avLst/>
-          </a:prstGeom>
-          <a:ln>
-            <a:solidFill>
-              <a:schemeClr val="bg1"/>
-            </a:solidFill>
-          </a:ln>
-        </p:spPr>
-        <p:style>
-          <a:lnRef idx="3">
-            <a:schemeClr val="accent1"/>
-          </a:lnRef>
-          <a:fillRef idx="0">
-            <a:schemeClr val="accent1"/>
-          </a:fillRef>
-          <a:effectRef idx="2">
-            <a:schemeClr val="accent1"/>
-          </a:effectRef>
-          <a:fontRef idx="minor">
-            <a:schemeClr val="tx1"/>
-          </a:fontRef>
-        </p:style>
-      </p:cxnSp>
-    </p:spTree>
-    <p:extLst>
-      <p:ext uri="{BB962C8B-B14F-4D97-AF65-F5344CB8AC3E}">
-        <p14:creationId xmlns:p14="http://schemas.microsoft.com/office/powerpoint/2010/main" val="1420986240"/>
-      </p:ext>
-    </p:extLst>
-  </p:cSld>
-  <p:clrMapOvr>
-    <a:masterClrMapping/>
-  </p:clrMapOvr>
-</p:sldLayout>
-</file>
-
-<file path=ppt/slideLayouts/slideLayout13.xml><?xml version="1.0" encoding="utf-8"?>
-<p:sldLayout xmlns:a="http://schemas.openxmlformats.org/drawingml/2006/main" xmlns:r="http://schemas.openxmlformats.org/officeDocument/2006/relationships" xmlns:p="http://schemas.openxmlformats.org/presentationml/2006/main" preserve="1">
-  <p:cSld name="4_Section Header">
-    <p:spTree>
-      <p:nvGrpSpPr>
-        <p:cNvPr id="1" name=""/>
-        <p:cNvGrpSpPr/>
-        <p:nvPr/>
-      </p:nvGrpSpPr>
-      <p:grpSpPr>
-        <a:xfrm>
-          <a:off x="0" y="0"/>
-          <a:ext cx="0" cy="0"/>
-          <a:chOff x="0" y="0"/>
-          <a:chExt cx="0" cy="0"/>
-        </a:xfrm>
-      </p:grpSpPr>
-      <p:pic>
-        <p:nvPicPr>
-          <p:cNvPr id="7" name="Picture 6"/>
-          <p:cNvPicPr>
-            <a:picLocks noChangeAspect="1"/>
-          </p:cNvPicPr>
-          <p:nvPr/>
-        </p:nvPicPr>
-        <p:blipFill>
-          <a:blip r:embed="rId2">
-            <a:extLst>
-              <a:ext uri="{28A0092B-C50C-407E-A947-70E740481C1C}">
-                <a14:useLocalDpi xmlns:a14="http://schemas.microsoft.com/office/drawing/2010/main" val="0"/>
-              </a:ext>
-            </a:extLst>
-          </a:blip>
-          <a:stretch>
-            <a:fillRect/>
-          </a:stretch>
-        </p:blipFill>
-        <p:spPr>
-          <a:xfrm>
-            <a:off x="0" y="0"/>
-            <a:ext cx="6740435" cy="6858000"/>
-          </a:xfrm>
-          <a:prstGeom prst="rect">
-            <a:avLst/>
-          </a:prstGeom>
-        </p:spPr>
-      </p:pic>
-      <p:sp>
-        <p:nvSpPr>
-          <p:cNvPr id="8" name="Title 7"/>
-          <p:cNvSpPr>
-            <a:spLocks noGrp="1"/>
-          </p:cNvSpPr>
-          <p:nvPr>
-            <p:ph type="title"/>
-          </p:nvPr>
-        </p:nvSpPr>
-        <p:spPr>
-          <a:xfrm>
-            <a:off x="7205858" y="1193664"/>
-            <a:ext cx="4620381" cy="4348525"/>
-          </a:xfrm>
-        </p:spPr>
-        <p:txBody>
-          <a:bodyPr/>
-          <a:lstStyle/>
-          <a:p>
-            <a:r>
-              <a:rPr lang="en-US"/>
-              <a:t>Click to edit Master title style</a:t>
-            </a:r>
-          </a:p>
-        </p:txBody>
-      </p:sp>
-      <p:sp>
-        <p:nvSpPr>
-          <p:cNvPr id="4" name="Moon 3"/>
-          <p:cNvSpPr/>
-          <p:nvPr/>
-        </p:nvSpPr>
-        <p:spPr>
-          <a:xfrm rot="17945249">
-            <a:off x="1891587" y="-297955"/>
-            <a:ext cx="2251314" cy="14635285"/>
-          </a:xfrm>
-          <a:prstGeom prst="moon">
-            <a:avLst/>
-          </a:prstGeom>
-          <a:solidFill>
-            <a:schemeClr val="bg1">
-              <a:alpha val="16000"/>
-            </a:schemeClr>
-          </a:solidFill>
-          <a:ln>
-            <a:noFill/>
-          </a:ln>
-        </p:spPr>
-        <p:style>
-          <a:lnRef idx="2">
-            <a:schemeClr val="accent1">
-              <a:shade val="50000"/>
-            </a:schemeClr>
-          </a:lnRef>
-          <a:fillRef idx="1">
-            <a:schemeClr val="accent1"/>
-          </a:fillRef>
-          <a:effectRef idx="0">
-            <a:schemeClr val="accent1"/>
-          </a:effectRef>
-          <a:fontRef idx="minor">
-            <a:schemeClr val="lt1"/>
-          </a:fontRef>
-        </p:style>
-        <p:txBody>
-          <a:bodyPr rtlCol="0" anchor="ctr"/>
-          <a:lstStyle/>
-          <a:p>
-            <a:pPr algn="ctr"/>
-            <a:endParaRPr lang="en-US" sz="1800"/>
-          </a:p>
-        </p:txBody>
-      </p:sp>
-    </p:spTree>
-    <p:extLst>
-      <p:ext uri="{BB962C8B-B14F-4D97-AF65-F5344CB8AC3E}">
-        <p14:creationId xmlns:p14="http://schemas.microsoft.com/office/powerpoint/2010/main" val="3368699416"/>
-      </p:ext>
-    </p:extLst>
-  </p:cSld>
-  <p:clrMapOvr>
-    <a:masterClrMapping/>
-  </p:clrMapOvr>
-</p:sldLayout>
-</file>
-
-<file path=ppt/slideLayouts/slideLayout14.xml><?xml version="1.0" encoding="utf-8"?>
-<p:sldLayout xmlns:a="http://schemas.openxmlformats.org/drawingml/2006/main" xmlns:r="http://schemas.openxmlformats.org/officeDocument/2006/relationships" xmlns:p="http://schemas.openxmlformats.org/presentationml/2006/main" preserve="1">
-  <p:cSld name="2_Section Header">
-    <p:spTree>
-      <p:nvGrpSpPr>
-        <p:cNvPr id="1" name=""/>
-        <p:cNvGrpSpPr/>
-        <p:nvPr/>
-      </p:nvGrpSpPr>
-      <p:grpSpPr>
-        <a:xfrm>
-          <a:off x="0" y="0"/>
-          <a:ext cx="0" cy="0"/>
-          <a:chOff x="0" y="0"/>
-          <a:chExt cx="0" cy="0"/>
-        </a:xfrm>
-      </p:grpSpPr>
-      <p:pic>
-        <p:nvPicPr>
-          <p:cNvPr id="7" name="Picture 6"/>
-          <p:cNvPicPr>
-            <a:picLocks noChangeAspect="1"/>
-          </p:cNvPicPr>
-          <p:nvPr/>
-        </p:nvPicPr>
-        <p:blipFill>
-          <a:blip r:embed="rId2">
-            <a:extLst>
-              <a:ext uri="{28A0092B-C50C-407E-A947-70E740481C1C}">
-                <a14:useLocalDpi xmlns:a14="http://schemas.microsoft.com/office/drawing/2010/main" val="0"/>
-              </a:ext>
-            </a:extLst>
-          </a:blip>
-          <a:stretch>
-            <a:fillRect/>
-          </a:stretch>
-        </p:blipFill>
-        <p:spPr>
-          <a:xfrm>
-            <a:off x="-16540" y="1489809"/>
-            <a:ext cx="7984223" cy="3327400"/>
-          </a:xfrm>
-          <a:prstGeom prst="rect">
-            <a:avLst/>
-          </a:prstGeom>
-        </p:spPr>
-      </p:pic>
-      <p:sp>
-        <p:nvSpPr>
-          <p:cNvPr id="4" name="Moon 3"/>
-          <p:cNvSpPr/>
-          <p:nvPr/>
-        </p:nvSpPr>
-        <p:spPr>
-          <a:xfrm rot="17945249">
-            <a:off x="866834" y="-254327"/>
-            <a:ext cx="2251314" cy="9584267"/>
-          </a:xfrm>
-          <a:prstGeom prst="moon">
-            <a:avLst/>
-          </a:prstGeom>
-          <a:solidFill>
-            <a:schemeClr val="bg1">
-              <a:alpha val="16000"/>
-            </a:schemeClr>
-          </a:solidFill>
-          <a:ln>
-            <a:noFill/>
-          </a:ln>
-        </p:spPr>
-        <p:style>
-          <a:lnRef idx="2">
-            <a:schemeClr val="accent1">
-              <a:shade val="50000"/>
-            </a:schemeClr>
-          </a:lnRef>
-          <a:fillRef idx="1">
-            <a:schemeClr val="accent1"/>
-          </a:fillRef>
-          <a:effectRef idx="0">
-            <a:schemeClr val="accent1"/>
-          </a:effectRef>
-          <a:fontRef idx="minor">
-            <a:schemeClr val="lt1"/>
-          </a:fontRef>
-        </p:style>
-        <p:txBody>
-          <a:bodyPr rtlCol="0" anchor="ctr"/>
-          <a:lstStyle/>
-          <a:p>
-            <a:pPr algn="ctr"/>
-            <a:endParaRPr lang="en-US" sz="1800"/>
-          </a:p>
-        </p:txBody>
-      </p:sp>
-      <p:sp>
-        <p:nvSpPr>
-          <p:cNvPr id="8" name="Title 7"/>
-          <p:cNvSpPr>
-            <a:spLocks noGrp="1"/>
-          </p:cNvSpPr>
-          <p:nvPr>
-            <p:ph type="title"/>
-          </p:nvPr>
-        </p:nvSpPr>
-        <p:spPr>
-          <a:xfrm>
-            <a:off x="157104" y="2582009"/>
-            <a:ext cx="7433733" cy="1143000"/>
-          </a:xfrm>
-        </p:spPr>
-        <p:txBody>
-          <a:bodyPr/>
-          <a:lstStyle>
-            <a:lvl1pPr>
-              <a:defRPr>
-                <a:solidFill>
-                  <a:schemeClr val="bg1"/>
-                </a:solidFill>
-              </a:defRPr>
-            </a:lvl1pPr>
-          </a:lstStyle>
-          <a:p>
-            <a:r>
-              <a:rPr lang="en-US"/>
-              <a:t>Click to edit Master title style</a:t>
-            </a:r>
-          </a:p>
-        </p:txBody>
-      </p:sp>
-      <p:pic>
-        <p:nvPicPr>
-          <p:cNvPr id="6" name="Picture 5"/>
-          <p:cNvPicPr>
-            <a:picLocks noChangeAspect="1"/>
-          </p:cNvPicPr>
-          <p:nvPr/>
-        </p:nvPicPr>
-        <p:blipFill>
-          <a:blip r:embed="rId2">
-            <a:extLst>
-              <a:ext uri="{28A0092B-C50C-407E-A947-70E740481C1C}">
-                <a14:useLocalDpi xmlns:a14="http://schemas.microsoft.com/office/drawing/2010/main" val="0"/>
-              </a:ext>
-            </a:extLst>
-          </a:blip>
-          <a:stretch>
-            <a:fillRect/>
-          </a:stretch>
-        </p:blipFill>
-        <p:spPr>
-          <a:xfrm>
-            <a:off x="10261600" y="0"/>
-            <a:ext cx="1930400" cy="6858000"/>
-          </a:xfrm>
-          <a:prstGeom prst="rect">
-            <a:avLst/>
-          </a:prstGeom>
-        </p:spPr>
-      </p:pic>
-    </p:spTree>
-    <p:extLst>
-      <p:ext uri="{BB962C8B-B14F-4D97-AF65-F5344CB8AC3E}">
-        <p14:creationId xmlns:p14="http://schemas.microsoft.com/office/powerpoint/2010/main" val="43117220"/>
-      </p:ext>
-    </p:extLst>
-  </p:cSld>
-  <p:clrMapOvr>
-    <a:masterClrMapping/>
-  </p:clrMapOvr>
-</p:sldLayout>
-</file>
-
-<file path=ppt/slideLayouts/slideLayout15.xml><?xml version="1.0" encoding="utf-8"?>
-<p:sldLayout xmlns:a="http://schemas.openxmlformats.org/drawingml/2006/main" xmlns:r="http://schemas.openxmlformats.org/officeDocument/2006/relationships" xmlns:p="http://schemas.openxmlformats.org/presentationml/2006/main" type="blank" preserve="1">
-  <p:cSld name="Blank">
-    <p:spTree>
-      <p:nvGrpSpPr>
-        <p:cNvPr id="1" name=""/>
-        <p:cNvGrpSpPr/>
-        <p:nvPr/>
-      </p:nvGrpSpPr>
-      <p:grpSpPr>
-        <a:xfrm>
-          <a:off x="0" y="0"/>
-          <a:ext cx="0" cy="0"/>
-          <a:chOff x="0" y="0"/>
-          <a:chExt cx="0" cy="0"/>
-        </a:xfrm>
-      </p:grpSpPr>
-      <p:sp>
-        <p:nvSpPr>
-          <p:cNvPr id="4" name="Slide Number Placeholder 3"/>
-          <p:cNvSpPr>
-            <a:spLocks noGrp="1"/>
-          </p:cNvSpPr>
-          <p:nvPr>
-            <p:ph type="sldNum" sz="quarter" idx="12"/>
-          </p:nvPr>
-        </p:nvSpPr>
-        <p:spPr/>
-        <p:txBody>
-          <a:bodyPr/>
-          <a:lstStyle/>
-          <a:p>
-            <a:fld id="{FC66D6CE-B56B-447A-A58B-E2D6508578E9}" type="slidenum">
-              <a:rPr lang="en-US" smtClean="0"/>
-              <a:t>‹#›</a:t>
-            </a:fld>
-            <a:endParaRPr lang="en-US"/>
-          </a:p>
-        </p:txBody>
-      </p:sp>
-    </p:spTree>
-    <p:extLst>
-      <p:ext uri="{BB962C8B-B14F-4D97-AF65-F5344CB8AC3E}">
-        <p14:creationId xmlns:p14="http://schemas.microsoft.com/office/powerpoint/2010/main" val="2790261029"/>
-      </p:ext>
-    </p:extLst>
-  </p:cSld>
-  <p:clrMapOvr>
-    <a:masterClrMapping/>
-  </p:clrMapOvr>
-</p:sldLayout>
-</file>
-
 <file path=ppt/slideLayouts/slideLayout2.xml><?xml version="1.0" encoding="utf-8"?>
 <p:sldLayout xmlns:a="http://schemas.openxmlformats.org/drawingml/2006/main" xmlns:r="http://schemas.openxmlformats.org/officeDocument/2006/relationships" xmlns:p="http://schemas.openxmlformats.org/presentationml/2006/main" preserve="1" userDrawn="1">
   <p:cSld name="Title and Content">
@@ -1806,200 +941,6 @@
 </file>
 
 <file path=ppt/slideLayouts/slideLayout3.xml><?xml version="1.0" encoding="utf-8"?>
-<p:sldLayout xmlns:a="http://schemas.openxmlformats.org/drawingml/2006/main" xmlns:r="http://schemas.openxmlformats.org/officeDocument/2006/relationships" xmlns:p="http://schemas.openxmlformats.org/presentationml/2006/main" preserve="1">
-  <p:cSld name="3_Title and Content">
-    <p:spTree>
-      <p:nvGrpSpPr>
-        <p:cNvPr id="1" name=""/>
-        <p:cNvGrpSpPr/>
-        <p:nvPr/>
-      </p:nvGrpSpPr>
-      <p:grpSpPr>
-        <a:xfrm>
-          <a:off x="0" y="0"/>
-          <a:ext cx="0" cy="0"/>
-          <a:chOff x="0" y="0"/>
-          <a:chExt cx="0" cy="0"/>
-        </a:xfrm>
-      </p:grpSpPr>
-      <p:pic>
-        <p:nvPicPr>
-          <p:cNvPr id="8" name="Picture 7"/>
-          <p:cNvPicPr>
-            <a:picLocks noChangeAspect="1"/>
-          </p:cNvPicPr>
-          <p:nvPr/>
-        </p:nvPicPr>
-        <p:blipFill>
-          <a:blip r:embed="rId2">
-            <a:extLst>
-              <a:ext uri="{28A0092B-C50C-407E-A947-70E740481C1C}">
-                <a14:useLocalDpi xmlns:a14="http://schemas.microsoft.com/office/drawing/2010/main" val="0"/>
-              </a:ext>
-            </a:extLst>
-          </a:blip>
-          <a:stretch>
-            <a:fillRect/>
-          </a:stretch>
-        </p:blipFill>
-        <p:spPr>
-          <a:xfrm>
-            <a:off x="880533" y="1694706"/>
-            <a:ext cx="10617200" cy="2341463"/>
-          </a:xfrm>
-          <a:prstGeom prst="rect">
-            <a:avLst/>
-          </a:prstGeom>
-          <a:effectLst>
-            <a:glow rad="101600">
-              <a:schemeClr val="accent5">
-                <a:satMod val="175000"/>
-                <a:alpha val="40000"/>
-              </a:schemeClr>
-            </a:glow>
-          </a:effectLst>
-        </p:spPr>
-      </p:pic>
-      <p:sp>
-        <p:nvSpPr>
-          <p:cNvPr id="4" name="Title 3"/>
-          <p:cNvSpPr>
-            <a:spLocks noGrp="1"/>
-          </p:cNvSpPr>
-          <p:nvPr>
-            <p:ph type="title"/>
-          </p:nvPr>
-        </p:nvSpPr>
-        <p:spPr>
-          <a:xfrm>
-            <a:off x="702733" y="2293936"/>
-            <a:ext cx="10972800" cy="1143000"/>
-          </a:xfrm>
-        </p:spPr>
-        <p:txBody>
-          <a:bodyPr>
-            <a:noAutofit/>
-          </a:bodyPr>
-          <a:lstStyle>
-            <a:lvl1pPr>
-              <a:defRPr sz="6600">
-                <a:solidFill>
-                  <a:schemeClr val="bg1"/>
-                </a:solidFill>
-              </a:defRPr>
-            </a:lvl1pPr>
-          </a:lstStyle>
-          <a:p>
-            <a:r>
-              <a:rPr lang="en-US"/>
-              <a:t>Click to edit Master title style</a:t>
-            </a:r>
-          </a:p>
-        </p:txBody>
-      </p:sp>
-      <p:sp>
-        <p:nvSpPr>
-          <p:cNvPr id="5" name="Moon 4"/>
-          <p:cNvSpPr/>
-          <p:nvPr/>
-        </p:nvSpPr>
-        <p:spPr>
-          <a:xfrm rot="17945249">
-            <a:off x="4288160" y="-2860875"/>
-            <a:ext cx="2251314" cy="14635285"/>
-          </a:xfrm>
-          <a:prstGeom prst="moon">
-            <a:avLst/>
-          </a:prstGeom>
-          <a:solidFill>
-            <a:schemeClr val="bg1">
-              <a:alpha val="16000"/>
-            </a:schemeClr>
-          </a:solidFill>
-          <a:ln>
-            <a:noFill/>
-          </a:ln>
-        </p:spPr>
-        <p:style>
-          <a:lnRef idx="2">
-            <a:schemeClr val="accent1">
-              <a:shade val="50000"/>
-            </a:schemeClr>
-          </a:lnRef>
-          <a:fillRef idx="1">
-            <a:schemeClr val="accent1"/>
-          </a:fillRef>
-          <a:effectRef idx="0">
-            <a:schemeClr val="accent1"/>
-          </a:effectRef>
-          <a:fontRef idx="minor">
-            <a:schemeClr val="lt1"/>
-          </a:fontRef>
-        </p:style>
-        <p:txBody>
-          <a:bodyPr rtlCol="0" anchor="ctr"/>
-          <a:lstStyle/>
-          <a:p>
-            <a:pPr algn="ctr"/>
-            <a:endParaRPr lang="en-US" sz="1800"/>
-          </a:p>
-        </p:txBody>
-      </p:sp>
-      <p:pic>
-        <p:nvPicPr>
-          <p:cNvPr id="6" name="Picture 2" descr="C:\Users\tdqua_000\Desktop\coffe_tea_01.png"/>
-          <p:cNvPicPr>
-            <a:picLocks noChangeAspect="1" noChangeArrowheads="1"/>
-          </p:cNvPicPr>
-          <p:nvPr/>
-        </p:nvPicPr>
-        <p:blipFill>
-          <a:blip r:embed="rId3" cstate="print">
-            <a:extLst>
-              <a:ext uri="{28A0092B-C50C-407E-A947-70E740481C1C}">
-                <a14:useLocalDpi xmlns:a14="http://schemas.microsoft.com/office/drawing/2010/main" val="0"/>
-              </a:ext>
-            </a:extLst>
-          </a:blip>
-          <a:srcRect/>
-          <a:stretch>
-            <a:fillRect/>
-          </a:stretch>
-        </p:blipFill>
-        <p:spPr bwMode="auto">
-          <a:xfrm>
-            <a:off x="5244662" y="4330262"/>
-            <a:ext cx="2259510" cy="2418044"/>
-          </a:xfrm>
-          <a:prstGeom prst="rect">
-            <a:avLst/>
-          </a:prstGeom>
-          <a:noFill/>
-          <a:extLst>
-            <a:ext uri="{909E8E84-426E-40DD-AFC4-6F175D3DCCD1}">
-              <a14:hiddenFill xmlns:a14="http://schemas.microsoft.com/office/drawing/2010/main">
-                <a:solidFill>
-                  <a:srgbClr val="FFFFFF"/>
-                </a:solidFill>
-              </a14:hiddenFill>
-            </a:ext>
-          </a:extLst>
-        </p:spPr>
-      </p:pic>
-    </p:spTree>
-    <p:extLst>
-      <p:ext uri="{BB962C8B-B14F-4D97-AF65-F5344CB8AC3E}">
-        <p14:creationId xmlns:p14="http://schemas.microsoft.com/office/powerpoint/2010/main" val="3711213367"/>
-      </p:ext>
-    </p:extLst>
-  </p:cSld>
-  <p:clrMapOvr>
-    <a:masterClrMapping/>
-  </p:clrMapOvr>
-</p:sldLayout>
-</file>
-
-<file path=ppt/slideLayouts/slideLayout4.xml><?xml version="1.0" encoding="utf-8"?>
 <p:sldLayout xmlns:a="http://schemas.openxmlformats.org/drawingml/2006/main" xmlns:r="http://schemas.openxmlformats.org/officeDocument/2006/relationships" xmlns:p="http://schemas.openxmlformats.org/presentationml/2006/main" type="obj" preserve="1">
   <p:cSld name="1_Title and Content">
     <p:spTree>
@@ -2058,8 +999,8 @@
         </p:nvSpPr>
         <p:spPr>
           <a:xfrm>
-            <a:off x="1688065" y="145140"/>
-            <a:ext cx="9502452" cy="1143000"/>
+            <a:off x="2637000" y="114301"/>
+            <a:ext cx="9080939" cy="1143000"/>
           </a:xfrm>
         </p:spPr>
         <p:txBody>
@@ -2228,23 +1169,58 @@
           </a:p>
         </p:txBody>
       </p:sp>
+      <p:cxnSp>
+        <p:nvCxnSpPr>
+          <p:cNvPr id="9" name="Straight Connector 8"/>
+          <p:cNvCxnSpPr/>
+          <p:nvPr userDrawn="1"/>
+        </p:nvCxnSpPr>
+        <p:spPr>
+          <a:xfrm flipH="1">
+            <a:off x="2510351" y="310468"/>
+            <a:ext cx="4249" cy="750667"/>
+          </a:xfrm>
+          <a:prstGeom prst="line">
+            <a:avLst/>
+          </a:prstGeom>
+          <a:ln w="28575">
+            <a:solidFill>
+              <a:schemeClr val="bg1"/>
+            </a:solidFill>
+          </a:ln>
+        </p:spPr>
+        <p:style>
+          <a:lnRef idx="1">
+            <a:schemeClr val="accent1"/>
+          </a:lnRef>
+          <a:fillRef idx="0">
+            <a:schemeClr val="accent1"/>
+          </a:fillRef>
+          <a:effectRef idx="0">
+            <a:schemeClr val="accent1"/>
+          </a:effectRef>
+          <a:fontRef idx="minor">
+            <a:schemeClr val="tx1"/>
+          </a:fontRef>
+        </p:style>
+      </p:cxnSp>
       <p:sp>
         <p:nvSpPr>
-          <p:cNvPr id="7" name="Moon 6"/>
+          <p:cNvPr id="11" name="Rectangle 10"/>
           <p:cNvSpPr/>
-          <p:nvPr/>
+          <p:nvPr userDrawn="1"/>
         </p:nvSpPr>
         <p:spPr>
-          <a:xfrm rot="17945249">
-            <a:off x="4289120" y="-3665881"/>
-            <a:ext cx="2251314" cy="14635285"/>
-          </a:xfrm>
-          <a:prstGeom prst="moon">
+          <a:xfrm>
+            <a:off x="-154379" y="0"/>
+            <a:ext cx="2481943" cy="1425039"/>
+          </a:xfrm>
+          <a:prstGeom prst="rect">
             <a:avLst/>
           </a:prstGeom>
           <a:solidFill>
             <a:schemeClr val="bg1">
-              <a:alpha val="16000"/>
+              <a:alpha val="8000"/>
             </a:schemeClr>
           </a:solidFill>
           <a:ln>
@@ -2272,13 +1248,13 @@
           <a:lstStyle/>
           <a:p>
             <a:pPr algn="ctr"/>
-            <a:endParaRPr lang="en-US" sz="1800"/>
+            <a:endParaRPr lang="en-US"/>
           </a:p>
         </p:txBody>
       </p:sp>
       <p:pic>
         <p:nvPicPr>
-          <p:cNvPr id="4" name="Picture 3"/>
+          <p:cNvPr id="5" name="Picture 4"/>
           <p:cNvPicPr>
             <a:picLocks noChangeAspect="1"/>
           </p:cNvPicPr>
@@ -2298,49 +1274,14 @@
         </p:blipFill>
         <p:spPr>
           <a:xfrm>
-            <a:off x="227149" y="145139"/>
-            <a:ext cx="1233767" cy="185065"/>
+            <a:off x="213710" y="345163"/>
+            <a:ext cx="2007028" cy="655868"/>
           </a:xfrm>
           <a:prstGeom prst="rect">
             <a:avLst/>
           </a:prstGeom>
         </p:spPr>
       </p:pic>
-      <p:cxnSp>
-        <p:nvCxnSpPr>
-          <p:cNvPr id="9" name="Straight Connector 8"/>
-          <p:cNvCxnSpPr/>
-          <p:nvPr userDrawn="1"/>
-        </p:nvCxnSpPr>
-        <p:spPr>
-          <a:xfrm flipH="1">
-            <a:off x="1595951" y="428625"/>
-            <a:ext cx="4249" cy="750667"/>
-          </a:xfrm>
-          <a:prstGeom prst="line">
-            <a:avLst/>
-          </a:prstGeom>
-          <a:ln w="28575">
-            <a:solidFill>
-              <a:schemeClr val="bg1"/>
-            </a:solidFill>
-          </a:ln>
-        </p:spPr>
-        <p:style>
-          <a:lnRef idx="1">
-            <a:schemeClr val="accent1"/>
-          </a:lnRef>
-          <a:fillRef idx="0">
-            <a:schemeClr val="accent1"/>
-          </a:fillRef>
-          <a:effectRef idx="0">
-            <a:schemeClr val="accent1"/>
-          </a:effectRef>
-          <a:fontRef idx="minor">
-            <a:schemeClr val="tx1"/>
-          </a:fontRef>
-        </p:style>
-      </p:cxnSp>
     </p:spTree>
     <p:extLst>
       <p:ext uri="{BB962C8B-B14F-4D97-AF65-F5344CB8AC3E}">
@@ -2354,7 +1295,7 @@
 </p:sldLayout>
 </file>
 
-<file path=ppt/slideLayouts/slideLayout5.xml><?xml version="1.0" encoding="utf-8"?>
+<file path=ppt/slideLayouts/slideLayout4.xml><?xml version="1.0" encoding="utf-8"?>
 <p:sldLayout xmlns:a="http://schemas.openxmlformats.org/drawingml/2006/main" xmlns:r="http://schemas.openxmlformats.org/officeDocument/2006/relationships" xmlns:p="http://schemas.openxmlformats.org/presentationml/2006/main" preserve="1">
   <p:cSld name="6_Title and Content">
     <p:spTree>
@@ -2477,54 +1418,6 @@
               <a:t>‹#›</a:t>
             </a:fld>
             <a:endParaRPr lang="en-US"/>
-          </a:p>
-        </p:txBody>
-      </p:sp>
-      <p:sp>
-        <p:nvSpPr>
-          <p:cNvPr id="7" name="Moon 6"/>
-          <p:cNvSpPr/>
-          <p:nvPr/>
-        </p:nvSpPr>
-        <p:spPr>
-          <a:xfrm rot="17945249">
-            <a:off x="4289120" y="-3665881"/>
-            <a:ext cx="2251314" cy="14635285"/>
-          </a:xfrm>
-          <a:prstGeom prst="moon">
-            <a:avLst/>
-          </a:prstGeom>
-          <a:solidFill>
-            <a:schemeClr val="bg1">
-              <a:alpha val="16000"/>
-            </a:schemeClr>
-          </a:solidFill>
-          <a:ln>
-            <a:noFill/>
-          </a:ln>
-        </p:spPr>
-        <p:style>
-          <a:lnRef idx="2">
-            <a:schemeClr val="accent1">
-              <a:shade val="50000"/>
-            </a:schemeClr>
-          </a:lnRef>
-          <a:fillRef idx="1">
-            <a:schemeClr val="accent1"/>
-          </a:fillRef>
-          <a:effectRef idx="0">
-            <a:schemeClr val="accent1"/>
-          </a:effectRef>
-          <a:fontRef idx="minor">
-            <a:schemeClr val="lt1"/>
-          </a:fontRef>
-        </p:style>
-        <p:txBody>
-          <a:bodyPr rtlCol="0" anchor="ctr"/>
-          <a:lstStyle/>
-          <a:p>
-            <a:pPr algn="ctr"/>
-            <a:endParaRPr lang="en-US" sz="1800"/>
           </a:p>
         </p:txBody>
       </p:sp>
@@ -2885,7 +1778,7 @@
 </p:sldLayout>
 </file>
 
-<file path=ppt/slideLayouts/slideLayout6.xml><?xml version="1.0" encoding="utf-8"?>
+<file path=ppt/slideLayouts/slideLayout5.xml><?xml version="1.0" encoding="utf-8"?>
 <p:sldLayout xmlns:a="http://schemas.openxmlformats.org/drawingml/2006/main" xmlns:r="http://schemas.openxmlformats.org/officeDocument/2006/relationships" xmlns:p="http://schemas.openxmlformats.org/presentationml/2006/main" preserve="1">
   <p:cSld name="7_Title and Content">
     <p:spTree>
@@ -2902,102 +1795,9 @@
           <a:chExt cx="0" cy="0"/>
         </a:xfrm>
       </p:grpSpPr>
-      <p:grpSp>
-        <p:nvGrpSpPr>
-          <p:cNvPr id="4" name="Group 3"/>
-          <p:cNvGrpSpPr/>
-          <p:nvPr/>
-        </p:nvGrpSpPr>
-        <p:grpSpPr>
-          <a:xfrm>
-            <a:off x="-1902865" y="2"/>
-            <a:ext cx="14635285" cy="4777416"/>
-            <a:chOff x="-1427149" y="2"/>
-            <a:chExt cx="10976464" cy="4777416"/>
-          </a:xfrm>
-        </p:grpSpPr>
-        <p:pic>
-          <p:nvPicPr>
-            <p:cNvPr id="8" name="Picture 7"/>
-            <p:cNvPicPr>
-              <a:picLocks noChangeAspect="1"/>
-            </p:cNvPicPr>
-            <p:nvPr/>
-          </p:nvPicPr>
-          <p:blipFill>
-            <a:blip r:embed="rId2">
-              <a:extLst>
-                <a:ext uri="{28A0092B-C50C-407E-A947-70E740481C1C}">
-                  <a14:useLocalDpi xmlns:a14="http://schemas.microsoft.com/office/drawing/2010/main" val="0"/>
-                </a:ext>
-              </a:extLst>
-            </a:blip>
-            <a:stretch>
-              <a:fillRect/>
-            </a:stretch>
-          </p:blipFill>
-          <p:spPr>
-            <a:xfrm>
-              <a:off x="0" y="2"/>
-              <a:ext cx="9144000" cy="1371600"/>
-            </a:xfrm>
-            <a:prstGeom prst="rect">
-              <a:avLst/>
-            </a:prstGeom>
-          </p:spPr>
-        </p:pic>
-        <p:sp>
-          <p:nvSpPr>
-            <p:cNvPr id="7" name="Moon 6"/>
-            <p:cNvSpPr/>
-            <p:nvPr/>
-          </p:nvSpPr>
-          <p:spPr>
-            <a:xfrm rot="17945249">
-              <a:off x="2935426" y="-1836471"/>
-              <a:ext cx="2251314" cy="10976464"/>
-            </a:xfrm>
-            <a:prstGeom prst="moon">
-              <a:avLst/>
-            </a:prstGeom>
-            <a:solidFill>
-              <a:schemeClr val="bg1">
-                <a:alpha val="16000"/>
-              </a:schemeClr>
-            </a:solidFill>
-            <a:ln>
-              <a:noFill/>
-            </a:ln>
-          </p:spPr>
-          <p:style>
-            <a:lnRef idx="2">
-              <a:schemeClr val="accent1">
-                <a:shade val="50000"/>
-              </a:schemeClr>
-            </a:lnRef>
-            <a:fillRef idx="1">
-              <a:schemeClr val="accent1"/>
-            </a:fillRef>
-            <a:effectRef idx="0">
-              <a:schemeClr val="accent1"/>
-            </a:effectRef>
-            <a:fontRef idx="minor">
-              <a:schemeClr val="lt1"/>
-            </a:fontRef>
-          </p:style>
-          <p:txBody>
-            <a:bodyPr rtlCol="0" anchor="ctr"/>
-            <a:lstStyle/>
-            <a:p>
-              <a:pPr algn="ctr"/>
-              <a:endParaRPr lang="en-US" sz="1800"/>
-            </a:p>
-          </p:txBody>
-        </p:sp>
-      </p:grpSp>
       <p:pic>
         <p:nvPicPr>
-          <p:cNvPr id="18" name="Picture 17"/>
+          <p:cNvPr id="8" name="Picture 7"/>
           <p:cNvPicPr>
             <a:picLocks noChangeAspect="1"/>
           </p:cNvPicPr>
@@ -3017,8 +1817,8 @@
         </p:blipFill>
         <p:spPr>
           <a:xfrm>
-            <a:off x="6340383" y="1554978"/>
-            <a:ext cx="5559552" cy="654807"/>
+            <a:off x="0" y="2"/>
+            <a:ext cx="12192000" cy="1371600"/>
           </a:xfrm>
           <a:prstGeom prst="rect">
             <a:avLst/>
@@ -3027,11 +1827,11 @@
       </p:pic>
       <p:pic>
         <p:nvPicPr>
-          <p:cNvPr id="17" name="Picture 16"/>
+          <p:cNvPr id="18" name="Picture 17"/>
           <p:cNvPicPr>
             <a:picLocks noChangeAspect="1"/>
           </p:cNvPicPr>
-          <p:nvPr/>
+          <p:nvPr userDrawn="1"/>
         </p:nvPicPr>
         <p:blipFill>
           <a:blip r:embed="rId2">
@@ -3047,6 +1847,36 @@
         </p:blipFill>
         <p:spPr>
           <a:xfrm>
+            <a:off x="6340383" y="1554978"/>
+            <a:ext cx="5559552" cy="654807"/>
+          </a:xfrm>
+          <a:prstGeom prst="rect">
+            <a:avLst/>
+          </a:prstGeom>
+        </p:spPr>
+      </p:pic>
+      <p:pic>
+        <p:nvPicPr>
+          <p:cNvPr id="17" name="Picture 16"/>
+          <p:cNvPicPr>
+            <a:picLocks noChangeAspect="1"/>
+          </p:cNvPicPr>
+          <p:nvPr userDrawn="1"/>
+        </p:nvPicPr>
+        <p:blipFill>
+          <a:blip r:embed="rId2">
+            <a:extLst>
+              <a:ext uri="{28A0092B-C50C-407E-A947-70E740481C1C}">
+                <a14:useLocalDpi xmlns:a14="http://schemas.microsoft.com/office/drawing/2010/main" val="0"/>
+              </a:ext>
+            </a:extLst>
+          </a:blip>
+          <a:stretch>
+            <a:fillRect/>
+          </a:stretch>
+        </p:blipFill>
+        <p:spPr>
+          <a:xfrm>
             <a:off x="410041" y="1547453"/>
             <a:ext cx="5693664" cy="645333"/>
           </a:xfrm>
@@ -3061,7 +1891,7 @@
           <p:cNvSpPr>
             <a:spLocks noGrp="1"/>
           </p:cNvSpPr>
-          <p:nvPr>
+          <p:nvPr userDrawn="1">
             <p:ph type="title"/>
           </p:nvPr>
         </p:nvSpPr>
@@ -3101,7 +1931,7 @@
           <p:cNvSpPr>
             <a:spLocks noGrp="1"/>
           </p:cNvSpPr>
-          <p:nvPr>
+          <p:nvPr userDrawn="1">
             <p:ph type="sldNum" sz="quarter" idx="12"/>
           </p:nvPr>
         </p:nvSpPr>
@@ -3140,7 +1970,7 @@
           <p:cNvSpPr>
             <a:spLocks noGrp="1"/>
           </p:cNvSpPr>
-          <p:nvPr>
+          <p:nvPr userDrawn="1">
             <p:ph type="body" idx="1"/>
           </p:nvPr>
         </p:nvSpPr>
@@ -3209,7 +2039,7 @@
           <p:cNvSpPr>
             <a:spLocks noGrp="1"/>
           </p:cNvSpPr>
-          <p:nvPr>
+          <p:nvPr userDrawn="1">
             <p:ph type="body" sz="quarter" idx="3"/>
           </p:nvPr>
         </p:nvSpPr>
@@ -3278,7 +2108,7 @@
           <p:cNvSpPr>
             <a:spLocks noGrp="1"/>
           </p:cNvSpPr>
-          <p:nvPr>
+          <p:nvPr userDrawn="1">
             <p:ph sz="half" idx="2"/>
           </p:nvPr>
         </p:nvSpPr>
@@ -3392,7 +2222,7 @@
           <p:cNvSpPr>
             <a:spLocks noGrp="1"/>
           </p:cNvSpPr>
-          <p:nvPr>
+          <p:nvPr userDrawn="1">
             <p:ph sz="quarter" idx="4"/>
           </p:nvPr>
         </p:nvSpPr>
@@ -3514,7 +2344,7 @@
 </p:sldLayout>
 </file>
 
-<file path=ppt/slideLayouts/slideLayout7.xml><?xml version="1.0" encoding="utf-8"?>
+<file path=ppt/slideLayouts/slideLayout6.xml><?xml version="1.0" encoding="utf-8"?>
 <p:sldLayout xmlns:a="http://schemas.openxmlformats.org/drawingml/2006/main" xmlns:r="http://schemas.openxmlformats.org/officeDocument/2006/relationships" xmlns:p="http://schemas.openxmlformats.org/presentationml/2006/main" preserve="1">
   <p:cSld name="2_Title and Content">
     <p:spTree>
@@ -3665,8 +2495,8 @@
         </p:blipFill>
         <p:spPr bwMode="auto">
           <a:xfrm>
-            <a:off x="2455333" y="1782762"/>
-            <a:ext cx="6807200" cy="4724400"/>
+            <a:off x="3384332" y="1740832"/>
+            <a:ext cx="5026864" cy="4583769"/>
           </a:xfrm>
           <a:prstGeom prst="rect">
             <a:avLst/>
@@ -3678,204 +2508,6 @@
     <p:extLst>
       <p:ext uri="{BB962C8B-B14F-4D97-AF65-F5344CB8AC3E}">
         <p14:creationId xmlns:p14="http://schemas.microsoft.com/office/powerpoint/2010/main" val="2655290270"/>
-      </p:ext>
-    </p:extLst>
-  </p:cSld>
-  <p:clrMapOvr>
-    <a:masterClrMapping/>
-  </p:clrMapOvr>
-</p:sldLayout>
-</file>
-
-<file path=ppt/slideLayouts/slideLayout8.xml><?xml version="1.0" encoding="utf-8"?>
-<p:sldLayout xmlns:a="http://schemas.openxmlformats.org/drawingml/2006/main" xmlns:r="http://schemas.openxmlformats.org/officeDocument/2006/relationships" xmlns:p="http://schemas.openxmlformats.org/presentationml/2006/main" preserve="1">
-  <p:cSld name="4_Title and Content">
-    <p:spTree>
-      <p:nvGrpSpPr>
-        <p:cNvPr id="1" name=""/>
-        <p:cNvGrpSpPr/>
-        <p:nvPr/>
-      </p:nvGrpSpPr>
-      <p:grpSpPr>
-        <a:xfrm>
-          <a:off x="0" y="0"/>
-          <a:ext cx="0" cy="0"/>
-          <a:chOff x="0" y="0"/>
-          <a:chExt cx="0" cy="0"/>
-        </a:xfrm>
-      </p:grpSpPr>
-      <p:pic>
-        <p:nvPicPr>
-          <p:cNvPr id="8" name="Picture 7"/>
-          <p:cNvPicPr>
-            <a:picLocks noChangeAspect="1"/>
-          </p:cNvPicPr>
-          <p:nvPr/>
-        </p:nvPicPr>
-        <p:blipFill>
-          <a:blip r:embed="rId2">
-            <a:extLst>
-              <a:ext uri="{28A0092B-C50C-407E-A947-70E740481C1C}">
-                <a14:useLocalDpi xmlns:a14="http://schemas.microsoft.com/office/drawing/2010/main" val="0"/>
-              </a:ext>
-            </a:extLst>
-          </a:blip>
-          <a:stretch>
-            <a:fillRect/>
-          </a:stretch>
-        </p:blipFill>
-        <p:spPr>
-          <a:xfrm>
-            <a:off x="0" y="2"/>
-            <a:ext cx="12192000" cy="228598"/>
-          </a:xfrm>
-          <a:prstGeom prst="rect">
-            <a:avLst/>
-          </a:prstGeom>
-        </p:spPr>
-      </p:pic>
-      <p:sp>
-        <p:nvSpPr>
-          <p:cNvPr id="6" name="Slide Number Placeholder 5"/>
-          <p:cNvSpPr>
-            <a:spLocks noGrp="1"/>
-          </p:cNvSpPr>
-          <p:nvPr>
-            <p:ph type="sldNum" sz="quarter" idx="12"/>
-          </p:nvPr>
-        </p:nvSpPr>
-        <p:spPr>
-          <a:xfrm>
-            <a:off x="9144000" y="6324601"/>
-            <a:ext cx="2844800" cy="365125"/>
-          </a:xfrm>
-        </p:spPr>
-        <p:txBody>
-          <a:bodyPr/>
-          <a:lstStyle>
-            <a:lvl1pPr>
-              <a:defRPr sz="1500">
-                <a:solidFill>
-                  <a:schemeClr val="tx1"/>
-                </a:solidFill>
-                <a:latin typeface="Segoe UI" pitchFamily="34" charset="0"/>
-                <a:cs typeface="Segoe UI" pitchFamily="34" charset="0"/>
-              </a:defRPr>
-            </a:lvl1pPr>
-          </a:lstStyle>
-          <a:p>
-            <a:fld id="{FC66D6CE-B56B-447A-A58B-E2D6508578E9}" type="slidenum">
-              <a:rPr lang="en-US" smtClean="0"/>
-              <a:pPr/>
-              <a:t>‹#›</a:t>
-            </a:fld>
-            <a:endParaRPr lang="en-US"/>
-          </a:p>
-        </p:txBody>
-      </p:sp>
-    </p:spTree>
-    <p:extLst>
-      <p:ext uri="{BB962C8B-B14F-4D97-AF65-F5344CB8AC3E}">
-        <p14:creationId xmlns:p14="http://schemas.microsoft.com/office/powerpoint/2010/main" val="2267049830"/>
-      </p:ext>
-    </p:extLst>
-  </p:cSld>
-  <p:clrMapOvr>
-    <a:masterClrMapping/>
-  </p:clrMapOvr>
-</p:sldLayout>
-</file>
-
-<file path=ppt/slideLayouts/slideLayout9.xml><?xml version="1.0" encoding="utf-8"?>
-<p:sldLayout xmlns:a="http://schemas.openxmlformats.org/drawingml/2006/main" xmlns:r="http://schemas.openxmlformats.org/officeDocument/2006/relationships" xmlns:p="http://schemas.openxmlformats.org/presentationml/2006/main" preserve="1">
-  <p:cSld name="5_Title and Content">
-    <p:spTree>
-      <p:nvGrpSpPr>
-        <p:cNvPr id="1" name=""/>
-        <p:cNvGrpSpPr/>
-        <p:nvPr/>
-      </p:nvGrpSpPr>
-      <p:grpSpPr>
-        <a:xfrm>
-          <a:off x="0" y="0"/>
-          <a:ext cx="0" cy="0"/>
-          <a:chOff x="0" y="0"/>
-          <a:chExt cx="0" cy="0"/>
-        </a:xfrm>
-      </p:grpSpPr>
-      <p:pic>
-        <p:nvPicPr>
-          <p:cNvPr id="8" name="Picture 7"/>
-          <p:cNvPicPr>
-            <a:picLocks noChangeAspect="1"/>
-          </p:cNvPicPr>
-          <p:nvPr/>
-        </p:nvPicPr>
-        <p:blipFill>
-          <a:blip r:embed="rId2">
-            <a:extLst>
-              <a:ext uri="{28A0092B-C50C-407E-A947-70E740481C1C}">
-                <a14:useLocalDpi xmlns:a14="http://schemas.microsoft.com/office/drawing/2010/main" val="0"/>
-              </a:ext>
-            </a:extLst>
-          </a:blip>
-          <a:stretch>
-            <a:fillRect/>
-          </a:stretch>
-        </p:blipFill>
-        <p:spPr>
-          <a:xfrm>
-            <a:off x="0" y="6629402"/>
-            <a:ext cx="12192000" cy="228598"/>
-          </a:xfrm>
-          <a:prstGeom prst="rect">
-            <a:avLst/>
-          </a:prstGeom>
-        </p:spPr>
-      </p:pic>
-      <p:sp>
-        <p:nvSpPr>
-          <p:cNvPr id="6" name="Slide Number Placeholder 5"/>
-          <p:cNvSpPr>
-            <a:spLocks noGrp="1"/>
-          </p:cNvSpPr>
-          <p:nvPr>
-            <p:ph type="sldNum" sz="quarter" idx="12"/>
-          </p:nvPr>
-        </p:nvSpPr>
-        <p:spPr>
-          <a:xfrm>
-            <a:off x="9144000" y="6324601"/>
-            <a:ext cx="2844800" cy="365125"/>
-          </a:xfrm>
-        </p:spPr>
-        <p:txBody>
-          <a:bodyPr/>
-          <a:lstStyle>
-            <a:lvl1pPr>
-              <a:defRPr sz="1500">
-                <a:solidFill>
-                  <a:schemeClr val="tx1"/>
-                </a:solidFill>
-                <a:latin typeface="Segoe UI" pitchFamily="34" charset="0"/>
-                <a:cs typeface="Segoe UI" pitchFamily="34" charset="0"/>
-              </a:defRPr>
-            </a:lvl1pPr>
-          </a:lstStyle>
-          <a:p>
-            <a:fld id="{FC66D6CE-B56B-447A-A58B-E2D6508578E9}" type="slidenum">
-              <a:rPr lang="en-US" smtClean="0"/>
-              <a:pPr/>
-              <a:t>‹#›</a:t>
-            </a:fld>
-            <a:endParaRPr lang="en-US"/>
-          </a:p>
-        </p:txBody>
-      </p:sp>
-    </p:spTree>
-    <p:extLst>
-      <p:ext uri="{BB962C8B-B14F-4D97-AF65-F5344CB8AC3E}">
-        <p14:creationId xmlns:p14="http://schemas.microsoft.com/office/powerpoint/2010/main" val="1873888169"/>
       </p:ext>
     </p:extLst>
   </p:cSld>
@@ -4133,19 +2765,10 @@
   <p:sldLayoutIdLst>
     <p:sldLayoutId id="2147483649" r:id="rId1"/>
     <p:sldLayoutId id="2147483650" r:id="rId2"/>
-    <p:sldLayoutId id="2147483664" r:id="rId3"/>
-    <p:sldLayoutId id="2147483660" r:id="rId4"/>
-    <p:sldLayoutId id="2147483667" r:id="rId5"/>
-    <p:sldLayoutId id="2147483668" r:id="rId6"/>
-    <p:sldLayoutId id="2147483663" r:id="rId7"/>
-    <p:sldLayoutId id="2147483665" r:id="rId8"/>
-    <p:sldLayoutId id="2147483666" r:id="rId9"/>
-    <p:sldLayoutId id="2147483651" r:id="rId10"/>
-    <p:sldLayoutId id="2147483661" r:id="rId11"/>
-    <p:sldLayoutId id="2147483669" r:id="rId12"/>
-    <p:sldLayoutId id="2147483670" r:id="rId13"/>
-    <p:sldLayoutId id="2147483662" r:id="rId14"/>
-    <p:sldLayoutId id="2147483655" r:id="rId15"/>
+    <p:sldLayoutId id="2147483660" r:id="rId3"/>
+    <p:sldLayoutId id="2147483667" r:id="rId4"/>
+    <p:sldLayoutId id="2147483668" r:id="rId5"/>
+    <p:sldLayoutId id="2147483663" r:id="rId6"/>
   </p:sldLayoutIdLst>
   <p:hf hdr="0" ftr="0" dt="0"/>
   <p:txStyles>
@@ -4731,7 +3354,6 @@
               <a:rPr lang="en-US"/>
               <a:t>Why Cape Town Pass?</a:t>
             </a:r>
-            <a:endParaRPr lang="en-US"/>
           </a:p>
         </p:txBody>
       </p:sp>
@@ -4764,13 +3386,8 @@
             <a:pPr lvl="1"/>
             <a:r>
               <a:rPr lang="en-US"/>
-              <a:t>Entry </a:t>
-            </a:r>
-            <a:r>
-              <a:rPr lang="en-US"/>
-              <a:t>to all of our attractions is included in your pass</a:t>
-            </a:r>
-            <a:endParaRPr lang="en-US"/>
+              <a:t>Entry to all of our attractions is included in your pass</a:t>
+            </a:r>
           </a:p>
           <a:p>
             <a:r>
@@ -4786,34 +3403,14 @@
             <a:pPr lvl="1"/>
             <a:r>
               <a:rPr lang="en-US"/>
-              <a:t>Save </a:t>
-            </a:r>
-            <a:r>
-              <a:rPr lang="en-US"/>
-              <a:t>hugely on </a:t>
-            </a:r>
-            <a:r>
-              <a:rPr lang="en-US"/>
-              <a:t>attractions </a:t>
+              <a:t>Save hugely on attractions </a:t>
             </a:r>
           </a:p>
           <a:p>
             <a:pPr lvl="1"/>
             <a:r>
               <a:rPr lang="en-US"/>
-              <a:t>G</a:t>
-            </a:r>
-            <a:r>
-              <a:rPr lang="en-US"/>
-              <a:t>et </a:t>
-            </a:r>
-            <a:r>
-              <a:rPr lang="en-US"/>
-              <a:t>great discounts at the </a:t>
-            </a:r>
-            <a:r>
-              <a:rPr lang="en-US"/>
-              <a:t>best Restaurants</a:t>
+              <a:t>Get great discounts at the best Restaurants</a:t>
             </a:r>
           </a:p>
           <a:p>
